--- a/Challenge 1/PPT/Challenge1_Group1_EC544.pptx
+++ b/Challenge 1/PPT/Challenge1_Group1_EC544.pptx
@@ -216,7 +216,7 @@
           <a:p>
             <a:fld id="{9761712D-657E-D145-BA14-B16A338C86BB}" type="datetimeFigureOut">
               <a:rPr lang="en-US" smtClean="0"/>
-              <a:t>9/19/16</a:t>
+              <a:t>9/20/16</a:t>
             </a:fld>
             <a:endParaRPr lang="en-US"/>
           </a:p>
@@ -1047,7 +1047,7 @@
           <a:p>
             <a:fld id="{3195889B-90F0-9A47-AED3-7C61AE037F77}" type="datetimeFigureOut">
               <a:rPr lang="en-US" smtClean="0"/>
-              <a:t>9/19/16</a:t>
+              <a:t>9/20/16</a:t>
             </a:fld>
             <a:endParaRPr lang="en-US"/>
           </a:p>
@@ -1371,7 +1371,7 @@
           <a:p>
             <a:fld id="{3195889B-90F0-9A47-AED3-7C61AE037F77}" type="datetimeFigureOut">
               <a:rPr lang="en-US" smtClean="0"/>
-              <a:t>9/19/16</a:t>
+              <a:t>9/20/16</a:t>
             </a:fld>
             <a:endParaRPr lang="en-US"/>
           </a:p>
@@ -1619,7 +1619,7 @@
           <a:p>
             <a:fld id="{3195889B-90F0-9A47-AED3-7C61AE037F77}" type="datetimeFigureOut">
               <a:rPr lang="en-US" smtClean="0"/>
-              <a:t>9/19/16</a:t>
+              <a:t>9/20/16</a:t>
             </a:fld>
             <a:endParaRPr lang="en-US"/>
           </a:p>
@@ -1958,7 +1958,7 @@
           <a:p>
             <a:fld id="{3195889B-90F0-9A47-AED3-7C61AE037F77}" type="datetimeFigureOut">
               <a:rPr lang="en-US" smtClean="0"/>
-              <a:t>9/19/16</a:t>
+              <a:t>9/20/16</a:t>
             </a:fld>
             <a:endParaRPr lang="en-US"/>
           </a:p>
@@ -2305,7 +2305,7 @@
           <a:p>
             <a:fld id="{3195889B-90F0-9A47-AED3-7C61AE037F77}" type="datetimeFigureOut">
               <a:rPr lang="en-US" smtClean="0"/>
-              <a:t>9/19/16</a:t>
+              <a:t>9/20/16</a:t>
             </a:fld>
             <a:endParaRPr lang="en-US"/>
           </a:p>
@@ -2679,7 +2679,7 @@
           <a:p>
             <a:fld id="{3195889B-90F0-9A47-AED3-7C61AE037F77}" type="datetimeFigureOut">
               <a:rPr lang="en-US" smtClean="0"/>
-              <a:t>9/19/16</a:t>
+              <a:t>9/20/16</a:t>
             </a:fld>
             <a:endParaRPr lang="en-US"/>
           </a:p>
@@ -3149,7 +3149,7 @@
           <a:p>
             <a:fld id="{3195889B-90F0-9A47-AED3-7C61AE037F77}" type="datetimeFigureOut">
               <a:rPr lang="en-US" smtClean="0"/>
-              <a:t>9/19/16</a:t>
+              <a:t>9/20/16</a:t>
             </a:fld>
             <a:endParaRPr lang="en-US"/>
           </a:p>
@@ -3354,7 +3354,7 @@
           <a:p>
             <a:fld id="{3195889B-90F0-9A47-AED3-7C61AE037F77}" type="datetimeFigureOut">
               <a:rPr lang="en-US" smtClean="0"/>
-              <a:t>9/19/16</a:t>
+              <a:t>9/20/16</a:t>
             </a:fld>
             <a:endParaRPr lang="en-US"/>
           </a:p>
@@ -3565,7 +3565,7 @@
           <a:p>
             <a:fld id="{3195889B-90F0-9A47-AED3-7C61AE037F77}" type="datetimeFigureOut">
               <a:rPr lang="en-US" smtClean="0"/>
-              <a:t>9/19/16</a:t>
+              <a:t>9/20/16</a:t>
             </a:fld>
             <a:endParaRPr lang="en-US"/>
           </a:p>
@@ -3797,7 +3797,7 @@
           <a:p>
             <a:fld id="{3195889B-90F0-9A47-AED3-7C61AE037F77}" type="datetimeFigureOut">
               <a:rPr lang="en-US" smtClean="0"/>
-              <a:t>9/19/16</a:t>
+              <a:t>9/20/16</a:t>
             </a:fld>
             <a:endParaRPr lang="en-US"/>
           </a:p>
@@ -4045,7 +4045,7 @@
           <a:p>
             <a:fld id="{3195889B-90F0-9A47-AED3-7C61AE037F77}" type="datetimeFigureOut">
               <a:rPr lang="en-US" smtClean="0"/>
-              <a:t>9/19/16</a:t>
+              <a:t>9/20/16</a:t>
             </a:fld>
             <a:endParaRPr lang="en-US"/>
           </a:p>
@@ -4343,7 +4343,7 @@
           <a:p>
             <a:fld id="{3195889B-90F0-9A47-AED3-7C61AE037F77}" type="datetimeFigureOut">
               <a:rPr lang="en-US" smtClean="0"/>
-              <a:t>9/19/16</a:t>
+              <a:t>9/20/16</a:t>
             </a:fld>
             <a:endParaRPr lang="en-US"/>
           </a:p>
@@ -4737,7 +4737,7 @@
           <a:p>
             <a:fld id="{3195889B-90F0-9A47-AED3-7C61AE037F77}" type="datetimeFigureOut">
               <a:rPr lang="en-US" smtClean="0"/>
-              <a:t>9/19/16</a:t>
+              <a:t>9/20/16</a:t>
             </a:fld>
             <a:endParaRPr lang="en-US"/>
           </a:p>
@@ -4886,7 +4886,7 @@
           <a:p>
             <a:fld id="{3195889B-90F0-9A47-AED3-7C61AE037F77}" type="datetimeFigureOut">
               <a:rPr lang="en-US" smtClean="0"/>
-              <a:t>9/19/16</a:t>
+              <a:t>9/20/16</a:t>
             </a:fld>
             <a:endParaRPr lang="en-US"/>
           </a:p>
@@ -5012,7 +5012,7 @@
           <a:p>
             <a:fld id="{3195889B-90F0-9A47-AED3-7C61AE037F77}" type="datetimeFigureOut">
               <a:rPr lang="en-US" smtClean="0"/>
-              <a:t>9/19/16</a:t>
+              <a:t>9/20/16</a:t>
             </a:fld>
             <a:endParaRPr lang="en-US"/>
           </a:p>
@@ -5267,7 +5267,7 @@
           <a:p>
             <a:fld id="{3195889B-90F0-9A47-AED3-7C61AE037F77}" type="datetimeFigureOut">
               <a:rPr lang="en-US" smtClean="0"/>
-              <a:t>9/19/16</a:t>
+              <a:t>9/20/16</a:t>
             </a:fld>
             <a:endParaRPr lang="en-US"/>
           </a:p>
@@ -5582,7 +5582,7 @@
           <a:p>
             <a:fld id="{3195889B-90F0-9A47-AED3-7C61AE037F77}" type="datetimeFigureOut">
               <a:rPr lang="en-US" smtClean="0"/>
-              <a:t>9/19/16</a:t>
+              <a:t>9/20/16</a:t>
             </a:fld>
             <a:endParaRPr lang="en-US"/>
           </a:p>
@@ -5933,7 +5933,7 @@
           <a:p>
             <a:fld id="{3195889B-90F0-9A47-AED3-7C61AE037F77}" type="datetimeFigureOut">
               <a:rPr lang="en-US" smtClean="0"/>
-              <a:t>9/19/16</a:t>
+              <a:t>9/20/16</a:t>
             </a:fld>
             <a:endParaRPr lang="en-US"/>
           </a:p>
@@ -7708,7 +7708,7 @@
             <p:ph idx="1"/>
             <p:extLst>
               <p:ext uri="{D42A27DB-BD31-4B8C-83A1-F6EECF244321}">
-                <p14:modId xmlns:p14="http://schemas.microsoft.com/office/powerpoint/2010/main" val="1474612399"/>
+                <p14:modId xmlns:p14="http://schemas.microsoft.com/office/powerpoint/2010/main" val="1687926652"/>
               </p:ext>
             </p:extLst>
           </p:nvPr>
@@ -8361,8 +8361,28 @@
                     <a:bodyPr/>
                     <a:lstStyle/>
                     <a:p>
-                      <a:pPr algn="ctr"/>
-                      <a:endParaRPr lang="en-US" sz="1400" dirty="0"/>
+                      <a:pPr marL="0" marR="0" indent="0" algn="ctr" defTabSz="342900" rtl="0" eaLnBrk="1" fontAlgn="auto" latinLnBrk="0" hangingPunct="1">
+                        <a:lnSpc>
+                          <a:spcPct val="100000"/>
+                        </a:lnSpc>
+                        <a:spcBef>
+                          <a:spcPts val="0"/>
+                        </a:spcBef>
+                        <a:spcAft>
+                          <a:spcPts val="0"/>
+                        </a:spcAft>
+                        <a:buClrTx/>
+                        <a:buSzTx/>
+                        <a:buFontTx/>
+                        <a:buNone/>
+                        <a:tabLst/>
+                        <a:defRPr/>
+                      </a:pPr>
+                      <a:r>
+                        <a:rPr lang="zh-CN" altLang="en-US" sz="1400" smtClean="0"/>
+                        <a:t>😁</a:t>
+                      </a:r>
+                      <a:endParaRPr lang="en-US" sz="1400" dirty="0" smtClean="0"/>
                     </a:p>
                   </a:txBody>
                   <a:tcPr/>
@@ -8456,8 +8476,28 @@
                     <a:bodyPr/>
                     <a:lstStyle/>
                     <a:p>
-                      <a:pPr algn="ctr"/>
-                      <a:endParaRPr lang="en-US" sz="1400" dirty="0"/>
+                      <a:pPr marL="0" marR="0" indent="0" algn="ctr" defTabSz="342900" rtl="0" eaLnBrk="1" fontAlgn="auto" latinLnBrk="0" hangingPunct="1">
+                        <a:lnSpc>
+                          <a:spcPct val="100000"/>
+                        </a:lnSpc>
+                        <a:spcBef>
+                          <a:spcPts val="0"/>
+                        </a:spcBef>
+                        <a:spcAft>
+                          <a:spcPts val="0"/>
+                        </a:spcAft>
+                        <a:buClrTx/>
+                        <a:buSzTx/>
+                        <a:buFontTx/>
+                        <a:buNone/>
+                        <a:tabLst/>
+                        <a:defRPr/>
+                      </a:pPr>
+                      <a:r>
+                        <a:rPr lang="zh-CN" altLang="en-US" sz="1400" dirty="0" smtClean="0"/>
+                        <a:t>😁</a:t>
+                      </a:r>
+                      <a:endParaRPr lang="en-US" sz="1400" dirty="0" smtClean="0"/>
                     </a:p>
                   </a:txBody>
                   <a:tcPr/>
@@ -8478,8 +8518,28 @@
                     <a:bodyPr/>
                     <a:lstStyle/>
                     <a:p>
-                      <a:pPr algn="ctr"/>
-                      <a:endParaRPr lang="en-US" sz="1400" dirty="0"/>
+                      <a:pPr marL="0" marR="0" indent="0" algn="ctr" defTabSz="342900" rtl="0" eaLnBrk="1" fontAlgn="auto" latinLnBrk="0" hangingPunct="1">
+                        <a:lnSpc>
+                          <a:spcPct val="100000"/>
+                        </a:lnSpc>
+                        <a:spcBef>
+                          <a:spcPts val="0"/>
+                        </a:spcBef>
+                        <a:spcAft>
+                          <a:spcPts val="0"/>
+                        </a:spcAft>
+                        <a:buClrTx/>
+                        <a:buSzTx/>
+                        <a:buFontTx/>
+                        <a:buNone/>
+                        <a:tabLst/>
+                        <a:defRPr/>
+                      </a:pPr>
+                      <a:r>
+                        <a:rPr lang="zh-CN" altLang="en-US" sz="1400" dirty="0" smtClean="0"/>
+                        <a:t>😁</a:t>
+                      </a:r>
+                      <a:endParaRPr lang="en-US" sz="1400" dirty="0" smtClean="0"/>
                     </a:p>
                   </a:txBody>
                   <a:tcPr/>
@@ -8634,6 +8694,10 @@
                         <a:tabLst/>
                         <a:defRPr/>
                       </a:pPr>
+                      <a:r>
+                        <a:rPr lang="zh-CN" altLang="en-US" sz="1400" dirty="0" smtClean="0"/>
+                        <a:t>😁</a:t>
+                      </a:r>
                       <a:endParaRPr lang="en-US" sz="1400" dirty="0" smtClean="0"/>
                     </a:p>
                   </a:txBody>
@@ -8661,6 +8725,10 @@
                         <a:tabLst/>
                         <a:defRPr/>
                       </a:pPr>
+                      <a:r>
+                        <a:rPr lang="zh-CN" altLang="en-US" sz="1400" dirty="0" smtClean="0"/>
+                        <a:t>😁</a:t>
+                      </a:r>
                       <a:endParaRPr lang="en-US" sz="1400" dirty="0" smtClean="0"/>
                     </a:p>
                   </a:txBody>
@@ -8688,6 +8756,10 @@
                         <a:tabLst/>
                         <a:defRPr/>
                       </a:pPr>
+                      <a:r>
+                        <a:rPr lang="zh-CN" altLang="en-US" sz="1400" dirty="0" smtClean="0"/>
+                        <a:t>😁</a:t>
+                      </a:r>
                       <a:endParaRPr lang="en-US" sz="1400" dirty="0" smtClean="0"/>
                     </a:p>
                   </a:txBody>
@@ -8698,8 +8770,28 @@
                     <a:bodyPr/>
                     <a:lstStyle/>
                     <a:p>
-                      <a:pPr algn="ctr"/>
-                      <a:endParaRPr lang="en-US" sz="1400" dirty="0"/>
+                      <a:pPr marL="0" marR="0" indent="0" algn="ctr" defTabSz="342900" rtl="0" eaLnBrk="1" fontAlgn="auto" latinLnBrk="0" hangingPunct="1">
+                        <a:lnSpc>
+                          <a:spcPct val="100000"/>
+                        </a:lnSpc>
+                        <a:spcBef>
+                          <a:spcPts val="0"/>
+                        </a:spcBef>
+                        <a:spcAft>
+                          <a:spcPts val="0"/>
+                        </a:spcAft>
+                        <a:buClrTx/>
+                        <a:buSzTx/>
+                        <a:buFontTx/>
+                        <a:buNone/>
+                        <a:tabLst/>
+                        <a:defRPr/>
+                      </a:pPr>
+                      <a:r>
+                        <a:rPr lang="zh-CN" altLang="en-US" sz="1400" dirty="0" smtClean="0"/>
+                        <a:t>😁</a:t>
+                      </a:r>
+                      <a:endParaRPr lang="en-US" sz="1400" dirty="0" smtClean="0"/>
                     </a:p>
                   </a:txBody>
                   <a:tcPr/>
